--- a/T R U X.pptx
+++ b/T R U X.pptx
@@ -4,6 +4,9 @@
   <p:sldMasterIdLst>
     <p:sldMasterId id="2147483762" r:id="rId1"/>
   </p:sldMasterIdLst>
+  <p:notesMasterIdLst>
+    <p:notesMasterId r:id="rId9"/>
+  </p:notesMasterIdLst>
   <p:sldIdLst>
     <p:sldId id="256" r:id="rId2"/>
     <p:sldId id="257" r:id="rId3"/>
@@ -11,6 +14,7 @@
     <p:sldId id="259" r:id="rId5"/>
     <p:sldId id="260" r:id="rId6"/>
     <p:sldId id="261" r:id="rId7"/>
+    <p:sldId id="263" r:id="rId8"/>
   </p:sldIdLst>
   <p:sldSz cx="12192000" cy="6858000"/>
   <p:notesSz cx="6858000" cy="9144000"/>
@@ -109,7 +113,361 @@
       </a:defRPr>
     </a:lvl9pPr>
   </p:defaultTextStyle>
+  <p:extLst>
+    <p:ext uri="{EFAFB233-063F-42B5-8137-9DF3F51BA10A}">
+      <p15:sldGuideLst xmlns:p15="http://schemas.microsoft.com/office/powerpoint/2012/main"/>
+    </p:ext>
+  </p:extLst>
 </p:presentation>
+</file>
+
+<file path=ppt/notesMasters/notesMaster1.xml><?xml version="1.0" encoding="utf-8"?>
+<p:notesMaster xmlns:a="http://schemas.openxmlformats.org/drawingml/2006/main" xmlns:r="http://schemas.openxmlformats.org/officeDocument/2006/relationships" xmlns:p="http://schemas.openxmlformats.org/presentationml/2006/main">
+  <p:cSld>
+    <p:bg>
+      <p:bgRef idx="1001">
+        <a:schemeClr val="bg1"/>
+      </p:bgRef>
+    </p:bg>
+    <p:spTree>
+      <p:nvGrpSpPr>
+        <p:cNvPr id="1" name=""/>
+        <p:cNvGrpSpPr/>
+        <p:nvPr/>
+      </p:nvGrpSpPr>
+      <p:grpSpPr>
+        <a:xfrm>
+          <a:off x="0" y="0"/>
+          <a:ext cx="0" cy="0"/>
+          <a:chOff x="0" y="0"/>
+          <a:chExt cx="0" cy="0"/>
+        </a:xfrm>
+      </p:grpSpPr>
+      <p:sp>
+        <p:nvSpPr>
+          <p:cNvPr id="2" name="Header Placeholder 1"/>
+          <p:cNvSpPr>
+            <a:spLocks noGrp="1"/>
+          </p:cNvSpPr>
+          <p:nvPr>
+            <p:ph type="hdr" sz="quarter"/>
+          </p:nvPr>
+        </p:nvSpPr>
+        <p:spPr>
+          <a:xfrm>
+            <a:off x="0" y="0"/>
+            <a:ext cx="2971800" cy="458788"/>
+          </a:xfrm>
+          <a:prstGeom prst="rect">
+            <a:avLst/>
+          </a:prstGeom>
+        </p:spPr>
+        <p:txBody>
+          <a:bodyPr vert="horz" lIns="91440" tIns="45720" rIns="91440" bIns="45720" rtlCol="0"/>
+          <a:lstStyle>
+            <a:lvl1pPr algn="l">
+              <a:defRPr sz="1200"/>
+            </a:lvl1pPr>
+          </a:lstStyle>
+          <a:p>
+            <a:endParaRPr lang="en-US"/>
+          </a:p>
+        </p:txBody>
+      </p:sp>
+      <p:sp>
+        <p:nvSpPr>
+          <p:cNvPr id="3" name="Date Placeholder 2"/>
+          <p:cNvSpPr>
+            <a:spLocks noGrp="1"/>
+          </p:cNvSpPr>
+          <p:nvPr>
+            <p:ph type="dt" idx="1"/>
+          </p:nvPr>
+        </p:nvSpPr>
+        <p:spPr>
+          <a:xfrm>
+            <a:off x="3884613" y="0"/>
+            <a:ext cx="2971800" cy="458788"/>
+          </a:xfrm>
+          <a:prstGeom prst="rect">
+            <a:avLst/>
+          </a:prstGeom>
+        </p:spPr>
+        <p:txBody>
+          <a:bodyPr vert="horz" lIns="91440" tIns="45720" rIns="91440" bIns="45720" rtlCol="0"/>
+          <a:lstStyle>
+            <a:lvl1pPr algn="r">
+              <a:defRPr sz="1200"/>
+            </a:lvl1pPr>
+          </a:lstStyle>
+          <a:p>
+            <a:fld id="{1678DD17-0B7B-4C22-8E9E-5EC20F42F8BE}" type="datetimeFigureOut">
+              <a:rPr lang="en-US" smtClean="0"/>
+              <a:t>4/15/2020</a:t>
+            </a:fld>
+            <a:endParaRPr lang="en-US"/>
+          </a:p>
+        </p:txBody>
+      </p:sp>
+      <p:sp>
+        <p:nvSpPr>
+          <p:cNvPr id="4" name="Slide Image Placeholder 3"/>
+          <p:cNvSpPr>
+            <a:spLocks noGrp="1" noRot="1" noChangeAspect="1"/>
+          </p:cNvSpPr>
+          <p:nvPr>
+            <p:ph type="sldImg" idx="2"/>
+          </p:nvPr>
+        </p:nvSpPr>
+        <p:spPr>
+          <a:xfrm>
+            <a:off x="685800" y="1143000"/>
+            <a:ext cx="5486400" cy="3086100"/>
+          </a:xfrm>
+          <a:prstGeom prst="rect">
+            <a:avLst/>
+          </a:prstGeom>
+          <a:noFill/>
+          <a:ln w="12700">
+            <a:solidFill>
+              <a:prstClr val="black"/>
+            </a:solidFill>
+          </a:ln>
+        </p:spPr>
+        <p:txBody>
+          <a:bodyPr vert="horz" lIns="91440" tIns="45720" rIns="91440" bIns="45720" rtlCol="0" anchor="ctr"/>
+          <a:lstStyle/>
+          <a:p>
+            <a:endParaRPr lang="en-US"/>
+          </a:p>
+        </p:txBody>
+      </p:sp>
+      <p:sp>
+        <p:nvSpPr>
+          <p:cNvPr id="5" name="Notes Placeholder 4"/>
+          <p:cNvSpPr>
+            <a:spLocks noGrp="1"/>
+          </p:cNvSpPr>
+          <p:nvPr>
+            <p:ph type="body" sz="quarter" idx="3"/>
+          </p:nvPr>
+        </p:nvSpPr>
+        <p:spPr>
+          <a:xfrm>
+            <a:off x="685800" y="4400550"/>
+            <a:ext cx="5486400" cy="3600450"/>
+          </a:xfrm>
+          <a:prstGeom prst="rect">
+            <a:avLst/>
+          </a:prstGeom>
+        </p:spPr>
+        <p:txBody>
+          <a:bodyPr vert="horz" lIns="91440" tIns="45720" rIns="91440" bIns="45720" rtlCol="0"/>
+          <a:lstStyle/>
+          <a:p>
+            <a:pPr lvl="0"/>
+            <a:r>
+              <a:rPr lang="en-US"/>
+              <a:t>Click to edit Master text styles</a:t>
+            </a:r>
+          </a:p>
+          <a:p>
+            <a:pPr lvl="1"/>
+            <a:r>
+              <a:rPr lang="en-US"/>
+              <a:t>Second level</a:t>
+            </a:r>
+          </a:p>
+          <a:p>
+            <a:pPr lvl="2"/>
+            <a:r>
+              <a:rPr lang="en-US"/>
+              <a:t>Third level</a:t>
+            </a:r>
+          </a:p>
+          <a:p>
+            <a:pPr lvl="3"/>
+            <a:r>
+              <a:rPr lang="en-US"/>
+              <a:t>Fourth level</a:t>
+            </a:r>
+          </a:p>
+          <a:p>
+            <a:pPr lvl="4"/>
+            <a:r>
+              <a:rPr lang="en-US"/>
+              <a:t>Fifth level</a:t>
+            </a:r>
+          </a:p>
+        </p:txBody>
+      </p:sp>
+      <p:sp>
+        <p:nvSpPr>
+          <p:cNvPr id="6" name="Footer Placeholder 5"/>
+          <p:cNvSpPr>
+            <a:spLocks noGrp="1"/>
+          </p:cNvSpPr>
+          <p:nvPr>
+            <p:ph type="ftr" sz="quarter" idx="4"/>
+          </p:nvPr>
+        </p:nvSpPr>
+        <p:spPr>
+          <a:xfrm>
+            <a:off x="0" y="8685213"/>
+            <a:ext cx="2971800" cy="458787"/>
+          </a:xfrm>
+          <a:prstGeom prst="rect">
+            <a:avLst/>
+          </a:prstGeom>
+        </p:spPr>
+        <p:txBody>
+          <a:bodyPr vert="horz" lIns="91440" tIns="45720" rIns="91440" bIns="45720" rtlCol="0" anchor="b"/>
+          <a:lstStyle>
+            <a:lvl1pPr algn="l">
+              <a:defRPr sz="1200"/>
+            </a:lvl1pPr>
+          </a:lstStyle>
+          <a:p>
+            <a:endParaRPr lang="en-US"/>
+          </a:p>
+        </p:txBody>
+      </p:sp>
+      <p:sp>
+        <p:nvSpPr>
+          <p:cNvPr id="7" name="Slide Number Placeholder 6"/>
+          <p:cNvSpPr>
+            <a:spLocks noGrp="1"/>
+          </p:cNvSpPr>
+          <p:nvPr>
+            <p:ph type="sldNum" sz="quarter" idx="5"/>
+          </p:nvPr>
+        </p:nvSpPr>
+        <p:spPr>
+          <a:xfrm>
+            <a:off x="3884613" y="8685213"/>
+            <a:ext cx="2971800" cy="458787"/>
+          </a:xfrm>
+          <a:prstGeom prst="rect">
+            <a:avLst/>
+          </a:prstGeom>
+        </p:spPr>
+        <p:txBody>
+          <a:bodyPr vert="horz" lIns="91440" tIns="45720" rIns="91440" bIns="45720" rtlCol="0" anchor="b"/>
+          <a:lstStyle>
+            <a:lvl1pPr algn="r">
+              <a:defRPr sz="1200"/>
+            </a:lvl1pPr>
+          </a:lstStyle>
+          <a:p>
+            <a:fld id="{6D0BEAC3-652B-4A40-8173-9BA7F66B0874}" type="slidenum">
+              <a:rPr lang="en-US" smtClean="0"/>
+              <a:t>‹#›</a:t>
+            </a:fld>
+            <a:endParaRPr lang="en-US"/>
+          </a:p>
+        </p:txBody>
+      </p:sp>
+    </p:spTree>
+    <p:extLst>
+      <p:ext uri="{BB962C8B-B14F-4D97-AF65-F5344CB8AC3E}">
+        <p14:creationId xmlns:p14="http://schemas.microsoft.com/office/powerpoint/2010/main" val="3688199554"/>
+      </p:ext>
+    </p:extLst>
+  </p:cSld>
+  <p:clrMap bg1="lt1" tx1="dk1" bg2="lt2" tx2="dk2" accent1="accent1" accent2="accent2" accent3="accent3" accent4="accent4" accent5="accent5" accent6="accent6" hlink="hlink" folHlink="folHlink"/>
+  <p:notesStyle>
+    <a:lvl1pPr marL="0" algn="l" defTabSz="914400" rtl="0" eaLnBrk="1" latinLnBrk="0" hangingPunct="1">
+      <a:defRPr sz="1200" kern="1200">
+        <a:solidFill>
+          <a:schemeClr val="tx1"/>
+        </a:solidFill>
+        <a:latin typeface="+mn-lt"/>
+        <a:ea typeface="+mn-ea"/>
+        <a:cs typeface="+mn-cs"/>
+      </a:defRPr>
+    </a:lvl1pPr>
+    <a:lvl2pPr marL="457200" algn="l" defTabSz="914400" rtl="0" eaLnBrk="1" latinLnBrk="0" hangingPunct="1">
+      <a:defRPr sz="1200" kern="1200">
+        <a:solidFill>
+          <a:schemeClr val="tx1"/>
+        </a:solidFill>
+        <a:latin typeface="+mn-lt"/>
+        <a:ea typeface="+mn-ea"/>
+        <a:cs typeface="+mn-cs"/>
+      </a:defRPr>
+    </a:lvl2pPr>
+    <a:lvl3pPr marL="914400" algn="l" defTabSz="914400" rtl="0" eaLnBrk="1" latinLnBrk="0" hangingPunct="1">
+      <a:defRPr sz="1200" kern="1200">
+        <a:solidFill>
+          <a:schemeClr val="tx1"/>
+        </a:solidFill>
+        <a:latin typeface="+mn-lt"/>
+        <a:ea typeface="+mn-ea"/>
+        <a:cs typeface="+mn-cs"/>
+      </a:defRPr>
+    </a:lvl3pPr>
+    <a:lvl4pPr marL="1371600" algn="l" defTabSz="914400" rtl="0" eaLnBrk="1" latinLnBrk="0" hangingPunct="1">
+      <a:defRPr sz="1200" kern="1200">
+        <a:solidFill>
+          <a:schemeClr val="tx1"/>
+        </a:solidFill>
+        <a:latin typeface="+mn-lt"/>
+        <a:ea typeface="+mn-ea"/>
+        <a:cs typeface="+mn-cs"/>
+      </a:defRPr>
+    </a:lvl4pPr>
+    <a:lvl5pPr marL="1828800" algn="l" defTabSz="914400" rtl="0" eaLnBrk="1" latinLnBrk="0" hangingPunct="1">
+      <a:defRPr sz="1200" kern="1200">
+        <a:solidFill>
+          <a:schemeClr val="tx1"/>
+        </a:solidFill>
+        <a:latin typeface="+mn-lt"/>
+        <a:ea typeface="+mn-ea"/>
+        <a:cs typeface="+mn-cs"/>
+      </a:defRPr>
+    </a:lvl5pPr>
+    <a:lvl6pPr marL="2286000" algn="l" defTabSz="914400" rtl="0" eaLnBrk="1" latinLnBrk="0" hangingPunct="1">
+      <a:defRPr sz="1200" kern="1200">
+        <a:solidFill>
+          <a:schemeClr val="tx1"/>
+        </a:solidFill>
+        <a:latin typeface="+mn-lt"/>
+        <a:ea typeface="+mn-ea"/>
+        <a:cs typeface="+mn-cs"/>
+      </a:defRPr>
+    </a:lvl6pPr>
+    <a:lvl7pPr marL="2743200" algn="l" defTabSz="914400" rtl="0" eaLnBrk="1" latinLnBrk="0" hangingPunct="1">
+      <a:defRPr sz="1200" kern="1200">
+        <a:solidFill>
+          <a:schemeClr val="tx1"/>
+        </a:solidFill>
+        <a:latin typeface="+mn-lt"/>
+        <a:ea typeface="+mn-ea"/>
+        <a:cs typeface="+mn-cs"/>
+      </a:defRPr>
+    </a:lvl7pPr>
+    <a:lvl8pPr marL="3200400" algn="l" defTabSz="914400" rtl="0" eaLnBrk="1" latinLnBrk="0" hangingPunct="1">
+      <a:defRPr sz="1200" kern="1200">
+        <a:solidFill>
+          <a:schemeClr val="tx1"/>
+        </a:solidFill>
+        <a:latin typeface="+mn-lt"/>
+        <a:ea typeface="+mn-ea"/>
+        <a:cs typeface="+mn-cs"/>
+      </a:defRPr>
+    </a:lvl8pPr>
+    <a:lvl9pPr marL="3657600" algn="l" defTabSz="914400" rtl="0" eaLnBrk="1" latinLnBrk="0" hangingPunct="1">
+      <a:defRPr sz="1200" kern="1200">
+        <a:solidFill>
+          <a:schemeClr val="tx1"/>
+        </a:solidFill>
+        <a:latin typeface="+mn-lt"/>
+        <a:ea typeface="+mn-ea"/>
+        <a:cs typeface="+mn-cs"/>
+      </a:defRPr>
+    </a:lvl9pPr>
+  </p:notesStyle>
+</p:notesMaster>
 </file>
 
 <file path=ppt/slideLayouts/slideLayout1.xml><?xml version="1.0" encoding="utf-8"?>
@@ -8148,12 +8506,17 @@
         </p:nvSpPr>
         <p:spPr/>
         <p:txBody>
-          <a:bodyPr/>
+          <a:bodyPr>
+            <a:normAutofit fontScale="90000"/>
+          </a:bodyPr>
           <a:lstStyle/>
           <a:p>
+            <a:pPr algn="ctr"/>
             <a:r>
-              <a:rPr lang="en-US" dirty="0"/>
-              <a:t>In the beginning….an idea </a:t>
+              <a:rPr lang="en-US" dirty="0">
+                <a:latin typeface="Arial Rounded MT Bold" panose="020F0704030504030204" pitchFamily="34" charset="0"/>
+              </a:rPr>
+              <a:t>In the Beginning … an Idea for an App </a:t>
             </a:r>
           </a:p>
         </p:txBody>
@@ -8182,9 +8545,69 @@
         </p:blipFill>
         <p:spPr>
           <a:xfrm>
-            <a:off x="4678363" y="1928813"/>
+            <a:off x="3906576" y="1886868"/>
             <a:ext cx="2835274" cy="4252912"/>
           </a:xfrm>
+        </p:spPr>
+      </p:pic>
+      <p:pic>
+        <p:nvPicPr>
+          <p:cNvPr id="4" name="Picture 3" descr="A group of people in front of a crowd&#10;&#10;Description automatically generated">
+            <a:extLst>
+              <a:ext uri="{FF2B5EF4-FFF2-40B4-BE49-F238E27FC236}">
+                <a16:creationId xmlns:a16="http://schemas.microsoft.com/office/drawing/2014/main" id="{BDC022C4-C8A8-4C7F-9292-FE7B661E1B51}"/>
+              </a:ext>
+            </a:extLst>
+          </p:cNvPr>
+          <p:cNvPicPr>
+            <a:picLocks noChangeAspect="1"/>
+          </p:cNvPicPr>
+          <p:nvPr/>
+        </p:nvPicPr>
+        <p:blipFill>
+          <a:blip r:embed="rId3"/>
+          <a:stretch>
+            <a:fillRect/>
+          </a:stretch>
+        </p:blipFill>
+        <p:spPr>
+          <a:xfrm>
+            <a:off x="9135966" y="2931756"/>
+            <a:ext cx="2536631" cy="3804947"/>
+          </a:xfrm>
+          <a:prstGeom prst="rect">
+            <a:avLst/>
+          </a:prstGeom>
+        </p:spPr>
+      </p:pic>
+      <p:pic>
+        <p:nvPicPr>
+          <p:cNvPr id="7" name="Picture 6" descr="A person holding a phone and looking at the camera&#10;&#10;Description automatically generated">
+            <a:extLst>
+              <a:ext uri="{FF2B5EF4-FFF2-40B4-BE49-F238E27FC236}">
+                <a16:creationId xmlns:a16="http://schemas.microsoft.com/office/drawing/2014/main" id="{60B8A6F6-CE13-4D9C-98B1-7B04BFAFA34C}"/>
+              </a:ext>
+            </a:extLst>
+          </p:cNvPr>
+          <p:cNvPicPr>
+            <a:picLocks noChangeAspect="1"/>
+          </p:cNvPicPr>
+          <p:nvPr/>
+        </p:nvPicPr>
+        <p:blipFill>
+          <a:blip r:embed="rId4"/>
+          <a:stretch>
+            <a:fillRect/>
+          </a:stretch>
+        </p:blipFill>
+        <p:spPr>
+          <a:xfrm>
+            <a:off x="1018607" y="4198910"/>
+            <a:ext cx="1573763" cy="2360645"/>
+          </a:xfrm>
+          <a:prstGeom prst="rect">
+            <a:avLst/>
+          </a:prstGeom>
         </p:spPr>
       </p:pic>
     </p:spTree>
@@ -8254,7 +8677,7 @@
         <p:spPr>
           <a:xfrm>
             <a:off x="183485" y="309278"/>
-            <a:ext cx="11797022" cy="4370427"/>
+            <a:ext cx="11797022" cy="4816703"/>
           </a:xfrm>
           <a:prstGeom prst="rect">
             <a:avLst/>
@@ -8266,6 +8689,40 @@
             <a:spAutoFit/>
           </a:bodyPr>
           <a:lstStyle/>
+          <a:p>
+            <a:pPr>
+              <a:spcBef>
+                <a:spcPts val="600"/>
+              </a:spcBef>
+            </a:pPr>
+            <a:r>
+              <a:rPr lang="en-US" sz="2000" b="1" dirty="0">
+                <a:latin typeface="Arial Nova Light" panose="020B0304020202020204" pitchFamily="34" charset="0"/>
+              </a:rPr>
+              <a:t>                                         </a:t>
+            </a:r>
+            <a:r>
+              <a:rPr lang="en-US" sz="2400" b="1" dirty="0">
+                <a:latin typeface="Arial Nova Light" panose="020B0304020202020204" pitchFamily="34" charset="0"/>
+              </a:rPr>
+              <a:t>A Partial List of the Many </a:t>
+            </a:r>
+            <a:r>
+              <a:rPr lang="en-US" sz="2400" b="1" dirty="0" err="1">
+                <a:latin typeface="Arial Nova Light" panose="020B0304020202020204" pitchFamily="34" charset="0"/>
+              </a:rPr>
+              <a:t>Many</a:t>
+            </a:r>
+            <a:r>
+              <a:rPr lang="en-US" sz="2400" b="1" dirty="0">
+                <a:latin typeface="Arial Nova Light" panose="020B0304020202020204" pitchFamily="34" charset="0"/>
+              </a:rPr>
+              <a:t> Ideas</a:t>
+            </a:r>
+            <a:endParaRPr lang="en-US" sz="2000" b="1" dirty="0">
+              <a:latin typeface="Arial Nova Light" panose="020B0304020202020204" pitchFamily="34" charset="0"/>
+            </a:endParaRPr>
+          </a:p>
           <a:p>
             <a:pPr marL="342900" indent="-342900">
               <a:spcBef>
@@ -8442,7 +8899,7 @@
         </p:blipFill>
         <p:spPr>
           <a:xfrm>
-            <a:off x="3908202" y="3458774"/>
+            <a:off x="4037929" y="3768052"/>
             <a:ext cx="4088133" cy="3089948"/>
           </a:xfrm>
           <a:prstGeom prst="rect">
@@ -8469,7 +8926,7 @@
     <p:bg>
       <p:bgPr>
         <a:solidFill>
-          <a:schemeClr val="bg1"/>
+          <a:schemeClr val="tx1"/>
         </a:solidFill>
         <a:effectLst/>
       </p:bgPr>
@@ -8518,9 +8975,191 @@
           </a:xfrm>
           <a:custGeom>
             <a:avLst/>
-            <a:gdLst/>
+            <a:gdLst>
+              <a:gd name="connsiteX0" fmla="*/ 0 w 10515600"/>
+              <a:gd name="connsiteY0" fmla="*/ 0 h 27432"/>
+              <a:gd name="connsiteX1" fmla="*/ 446913 w 10515600"/>
+              <a:gd name="connsiteY1" fmla="*/ 0 h 27432"/>
+              <a:gd name="connsiteX2" fmla="*/ 1104138 w 10515600"/>
+              <a:gd name="connsiteY2" fmla="*/ 0 h 27432"/>
+              <a:gd name="connsiteX3" fmla="*/ 1866519 w 10515600"/>
+              <a:gd name="connsiteY3" fmla="*/ 0 h 27432"/>
+              <a:gd name="connsiteX4" fmla="*/ 2208276 w 10515600"/>
+              <a:gd name="connsiteY4" fmla="*/ 0 h 27432"/>
+              <a:gd name="connsiteX5" fmla="*/ 2550033 w 10515600"/>
+              <a:gd name="connsiteY5" fmla="*/ 0 h 27432"/>
+              <a:gd name="connsiteX6" fmla="*/ 3417570 w 10515600"/>
+              <a:gd name="connsiteY6" fmla="*/ 0 h 27432"/>
+              <a:gd name="connsiteX7" fmla="*/ 4074795 w 10515600"/>
+              <a:gd name="connsiteY7" fmla="*/ 0 h 27432"/>
+              <a:gd name="connsiteX8" fmla="*/ 4416552 w 10515600"/>
+              <a:gd name="connsiteY8" fmla="*/ 0 h 27432"/>
+              <a:gd name="connsiteX9" fmla="*/ 5073777 w 10515600"/>
+              <a:gd name="connsiteY9" fmla="*/ 0 h 27432"/>
+              <a:gd name="connsiteX10" fmla="*/ 5941314 w 10515600"/>
+              <a:gd name="connsiteY10" fmla="*/ 0 h 27432"/>
+              <a:gd name="connsiteX11" fmla="*/ 6493383 w 10515600"/>
+              <a:gd name="connsiteY11" fmla="*/ 0 h 27432"/>
+              <a:gd name="connsiteX12" fmla="*/ 7045452 w 10515600"/>
+              <a:gd name="connsiteY12" fmla="*/ 0 h 27432"/>
+              <a:gd name="connsiteX13" fmla="*/ 7702677 w 10515600"/>
+              <a:gd name="connsiteY13" fmla="*/ 0 h 27432"/>
+              <a:gd name="connsiteX14" fmla="*/ 8465058 w 10515600"/>
+              <a:gd name="connsiteY14" fmla="*/ 0 h 27432"/>
+              <a:gd name="connsiteX15" fmla="*/ 9227439 w 10515600"/>
+              <a:gd name="connsiteY15" fmla="*/ 0 h 27432"/>
+              <a:gd name="connsiteX16" fmla="*/ 10515600 w 10515600"/>
+              <a:gd name="connsiteY16" fmla="*/ 0 h 27432"/>
+              <a:gd name="connsiteX17" fmla="*/ 10515600 w 10515600"/>
+              <a:gd name="connsiteY17" fmla="*/ 27432 h 27432"/>
+              <a:gd name="connsiteX18" fmla="*/ 10068687 w 10515600"/>
+              <a:gd name="connsiteY18" fmla="*/ 27432 h 27432"/>
+              <a:gd name="connsiteX19" fmla="*/ 9201150 w 10515600"/>
+              <a:gd name="connsiteY19" fmla="*/ 27432 h 27432"/>
+              <a:gd name="connsiteX20" fmla="*/ 8543925 w 10515600"/>
+              <a:gd name="connsiteY20" fmla="*/ 27432 h 27432"/>
+              <a:gd name="connsiteX21" fmla="*/ 8202168 w 10515600"/>
+              <a:gd name="connsiteY21" fmla="*/ 27432 h 27432"/>
+              <a:gd name="connsiteX22" fmla="*/ 7544943 w 10515600"/>
+              <a:gd name="connsiteY22" fmla="*/ 27432 h 27432"/>
+              <a:gd name="connsiteX23" fmla="*/ 6992874 w 10515600"/>
+              <a:gd name="connsiteY23" fmla="*/ 27432 h 27432"/>
+              <a:gd name="connsiteX24" fmla="*/ 6440805 w 10515600"/>
+              <a:gd name="connsiteY24" fmla="*/ 27432 h 27432"/>
+              <a:gd name="connsiteX25" fmla="*/ 5888736 w 10515600"/>
+              <a:gd name="connsiteY25" fmla="*/ 27432 h 27432"/>
+              <a:gd name="connsiteX26" fmla="*/ 5336667 w 10515600"/>
+              <a:gd name="connsiteY26" fmla="*/ 27432 h 27432"/>
+              <a:gd name="connsiteX27" fmla="*/ 4574286 w 10515600"/>
+              <a:gd name="connsiteY27" fmla="*/ 27432 h 27432"/>
+              <a:gd name="connsiteX28" fmla="*/ 3917061 w 10515600"/>
+              <a:gd name="connsiteY28" fmla="*/ 27432 h 27432"/>
+              <a:gd name="connsiteX29" fmla="*/ 3575304 w 10515600"/>
+              <a:gd name="connsiteY29" fmla="*/ 27432 h 27432"/>
+              <a:gd name="connsiteX30" fmla="*/ 3023235 w 10515600"/>
+              <a:gd name="connsiteY30" fmla="*/ 27432 h 27432"/>
+              <a:gd name="connsiteX31" fmla="*/ 2260854 w 10515600"/>
+              <a:gd name="connsiteY31" fmla="*/ 27432 h 27432"/>
+              <a:gd name="connsiteX32" fmla="*/ 1813941 w 10515600"/>
+              <a:gd name="connsiteY32" fmla="*/ 27432 h 27432"/>
+              <a:gd name="connsiteX33" fmla="*/ 946404 w 10515600"/>
+              <a:gd name="connsiteY33" fmla="*/ 27432 h 27432"/>
+              <a:gd name="connsiteX34" fmla="*/ 0 w 10515600"/>
+              <a:gd name="connsiteY34" fmla="*/ 27432 h 27432"/>
+              <a:gd name="connsiteX35" fmla="*/ 0 w 10515600"/>
+              <a:gd name="connsiteY35" fmla="*/ 0 h 27432"/>
+            </a:gdLst>
             <a:ahLst/>
-            <a:cxnLst/>
+            <a:cxnLst>
+              <a:cxn ang="0">
+                <a:pos x="connsiteX0" y="connsiteY0"/>
+              </a:cxn>
+              <a:cxn ang="0">
+                <a:pos x="connsiteX1" y="connsiteY1"/>
+              </a:cxn>
+              <a:cxn ang="0">
+                <a:pos x="connsiteX2" y="connsiteY2"/>
+              </a:cxn>
+              <a:cxn ang="0">
+                <a:pos x="connsiteX3" y="connsiteY3"/>
+              </a:cxn>
+              <a:cxn ang="0">
+                <a:pos x="connsiteX4" y="connsiteY4"/>
+              </a:cxn>
+              <a:cxn ang="0">
+                <a:pos x="connsiteX5" y="connsiteY5"/>
+              </a:cxn>
+              <a:cxn ang="0">
+                <a:pos x="connsiteX6" y="connsiteY6"/>
+              </a:cxn>
+              <a:cxn ang="0">
+                <a:pos x="connsiteX7" y="connsiteY7"/>
+              </a:cxn>
+              <a:cxn ang="0">
+                <a:pos x="connsiteX8" y="connsiteY8"/>
+              </a:cxn>
+              <a:cxn ang="0">
+                <a:pos x="connsiteX9" y="connsiteY9"/>
+              </a:cxn>
+              <a:cxn ang="0">
+                <a:pos x="connsiteX10" y="connsiteY10"/>
+              </a:cxn>
+              <a:cxn ang="0">
+                <a:pos x="connsiteX11" y="connsiteY11"/>
+              </a:cxn>
+              <a:cxn ang="0">
+                <a:pos x="connsiteX12" y="connsiteY12"/>
+              </a:cxn>
+              <a:cxn ang="0">
+                <a:pos x="connsiteX13" y="connsiteY13"/>
+              </a:cxn>
+              <a:cxn ang="0">
+                <a:pos x="connsiteX14" y="connsiteY14"/>
+              </a:cxn>
+              <a:cxn ang="0">
+                <a:pos x="connsiteX15" y="connsiteY15"/>
+              </a:cxn>
+              <a:cxn ang="0">
+                <a:pos x="connsiteX16" y="connsiteY16"/>
+              </a:cxn>
+              <a:cxn ang="0">
+                <a:pos x="connsiteX17" y="connsiteY17"/>
+              </a:cxn>
+              <a:cxn ang="0">
+                <a:pos x="connsiteX18" y="connsiteY18"/>
+              </a:cxn>
+              <a:cxn ang="0">
+                <a:pos x="connsiteX19" y="connsiteY19"/>
+              </a:cxn>
+              <a:cxn ang="0">
+                <a:pos x="connsiteX20" y="connsiteY20"/>
+              </a:cxn>
+              <a:cxn ang="0">
+                <a:pos x="connsiteX21" y="connsiteY21"/>
+              </a:cxn>
+              <a:cxn ang="0">
+                <a:pos x="connsiteX22" y="connsiteY22"/>
+              </a:cxn>
+              <a:cxn ang="0">
+                <a:pos x="connsiteX23" y="connsiteY23"/>
+              </a:cxn>
+              <a:cxn ang="0">
+                <a:pos x="connsiteX24" y="connsiteY24"/>
+              </a:cxn>
+              <a:cxn ang="0">
+                <a:pos x="connsiteX25" y="connsiteY25"/>
+              </a:cxn>
+              <a:cxn ang="0">
+                <a:pos x="connsiteX26" y="connsiteY26"/>
+              </a:cxn>
+              <a:cxn ang="0">
+                <a:pos x="connsiteX27" y="connsiteY27"/>
+              </a:cxn>
+              <a:cxn ang="0">
+                <a:pos x="connsiteX28" y="connsiteY28"/>
+              </a:cxn>
+              <a:cxn ang="0">
+                <a:pos x="connsiteX29" y="connsiteY29"/>
+              </a:cxn>
+              <a:cxn ang="0">
+                <a:pos x="connsiteX30" y="connsiteY30"/>
+              </a:cxn>
+              <a:cxn ang="0">
+                <a:pos x="connsiteX31" y="connsiteY31"/>
+              </a:cxn>
+              <a:cxn ang="0">
+                <a:pos x="connsiteX32" y="connsiteY32"/>
+              </a:cxn>
+              <a:cxn ang="0">
+                <a:pos x="connsiteX33" y="connsiteY33"/>
+              </a:cxn>
+              <a:cxn ang="0">
+                <a:pos x="connsiteX34" y="connsiteY34"/>
+              </a:cxn>
+              <a:cxn ang="0">
+                <a:pos x="connsiteX35" y="connsiteY35"/>
+              </a:cxn>
+            </a:cxnLst>
             <a:rect l="l" t="t" r="r" b="b"/>
             <a:pathLst>
               <a:path w="10515600" h="27432" fill="none" extrusionOk="0">
@@ -10507,6 +11146,9 @@
           <a:lstStyle/>
           <a:p>
             <a:pPr indent="-228600" defTabSz="914400">
+              <a:spcAft>
+                <a:spcPts val="1800"/>
+              </a:spcAft>
               <a:buFont typeface="Arial" panose="020B0604020202020204" pitchFamily="34" charset="0"/>
               <a:buChar char="•"/>
               <a:tabLst>
@@ -10516,7 +11158,7 @@
             <a:r>
               <a:rPr lang="en-US" sz="2400" dirty="0">
                 <a:solidFill>
-                  <a:schemeClr val="bg1"/>
+                  <a:schemeClr val="tx1"/>
                 </a:solidFill>
                 <a:latin typeface="Arial Rounded MT Bold" panose="020F0704030504030204" pitchFamily="34" charset="0"/>
               </a:rPr>
@@ -10525,21 +11167,9 @@
           </a:p>
           <a:p>
             <a:pPr indent="-228600" defTabSz="914400">
-              <a:buFont typeface="Arial" panose="020B0604020202020204" pitchFamily="34" charset="0"/>
-              <a:buChar char="•"/>
-              <a:tabLst>
-                <a:tab pos="4114800" algn="l"/>
-              </a:tabLst>
-            </a:pPr>
-            <a:endParaRPr lang="en-US" sz="2400" dirty="0">
-              <a:solidFill>
-                <a:schemeClr val="bg1"/>
-              </a:solidFill>
-              <a:latin typeface="Arial Rounded MT Bold" panose="020F0704030504030204" pitchFamily="34" charset="0"/>
-            </a:endParaRPr>
-          </a:p>
-          <a:p>
-            <a:pPr indent="-228600" defTabSz="914400">
+              <a:spcAft>
+                <a:spcPts val="1800"/>
+              </a:spcAft>
               <a:buFont typeface="Arial" panose="020B0604020202020204" pitchFamily="34" charset="0"/>
               <a:buChar char="•"/>
               <a:tabLst>
@@ -10549,7 +11179,7 @@
             <a:r>
               <a:rPr lang="en-US" sz="2400" dirty="0">
                 <a:solidFill>
-                  <a:schemeClr val="bg1"/>
+                  <a:schemeClr val="tx1"/>
                 </a:solidFill>
                 <a:latin typeface="Arial Rounded MT Bold" panose="020F0704030504030204" pitchFamily="34" charset="0"/>
               </a:rPr>
@@ -10558,21 +11188,9 @@
           </a:p>
           <a:p>
             <a:pPr indent="-228600" defTabSz="914400">
-              <a:buFont typeface="Arial" panose="020B0604020202020204" pitchFamily="34" charset="0"/>
-              <a:buChar char="•"/>
-              <a:tabLst>
-                <a:tab pos="4114800" algn="l"/>
-              </a:tabLst>
-            </a:pPr>
-            <a:endParaRPr lang="en-US" sz="2400" dirty="0">
-              <a:solidFill>
-                <a:schemeClr val="bg1"/>
-              </a:solidFill>
-              <a:latin typeface="Arial Rounded MT Bold" panose="020F0704030504030204" pitchFamily="34" charset="0"/>
-            </a:endParaRPr>
-          </a:p>
-          <a:p>
-            <a:pPr indent="-228600" defTabSz="914400">
+              <a:spcAft>
+                <a:spcPts val="1800"/>
+              </a:spcAft>
               <a:buFont typeface="Arial" panose="020B0604020202020204" pitchFamily="34" charset="0"/>
               <a:buChar char="•"/>
               <a:tabLst>
@@ -10582,7 +11200,7 @@
             <a:r>
               <a:rPr lang="en-US" sz="2400" dirty="0">
                 <a:solidFill>
-                  <a:schemeClr val="bg1"/>
+                  <a:schemeClr val="tx1"/>
                 </a:solidFill>
                 <a:latin typeface="Arial Rounded MT Bold" panose="020F0704030504030204" pitchFamily="34" charset="0"/>
               </a:rPr>
@@ -10591,21 +11209,9 @@
           </a:p>
           <a:p>
             <a:pPr indent="-228600" defTabSz="914400">
-              <a:buFont typeface="Arial" panose="020B0604020202020204" pitchFamily="34" charset="0"/>
-              <a:buChar char="•"/>
-              <a:tabLst>
-                <a:tab pos="4114800" algn="l"/>
-              </a:tabLst>
-            </a:pPr>
-            <a:endParaRPr lang="en-US" sz="2400" dirty="0">
-              <a:solidFill>
-                <a:schemeClr val="bg1"/>
-              </a:solidFill>
-              <a:latin typeface="Arial Rounded MT Bold" panose="020F0704030504030204" pitchFamily="34" charset="0"/>
-            </a:endParaRPr>
-          </a:p>
-          <a:p>
-            <a:pPr indent="-228600" defTabSz="914400">
+              <a:spcAft>
+                <a:spcPts val="1800"/>
+              </a:spcAft>
               <a:buFont typeface="Arial" panose="020B0604020202020204" pitchFamily="34" charset="0"/>
               <a:buChar char="•"/>
               <a:tabLst>
@@ -10615,71 +11221,48 @@
             <a:r>
               <a:rPr lang="en-US" sz="2400" dirty="0">
                 <a:solidFill>
-                  <a:schemeClr val="bg1"/>
+                  <a:schemeClr val="tx1"/>
                 </a:solidFill>
                 <a:latin typeface="Arial Rounded MT Bold" panose="020F0704030504030204" pitchFamily="34" charset="0"/>
               </a:rPr>
-              <a:t>The Helpful TA 	Roman </a:t>
+              <a:t>The TA 	Roman Senin</a:t>
             </a:r>
-            <a:r>
-              <a:rPr lang="en-US" sz="2400" dirty="0" err="1">
-                <a:solidFill>
-                  <a:schemeClr val="bg1"/>
-                </a:solidFill>
-                <a:latin typeface="Arial Rounded MT Bold" panose="020F0704030504030204" pitchFamily="34" charset="0"/>
-              </a:rPr>
-              <a:t>Senin</a:t>
-            </a:r>
-            <a:endParaRPr lang="en-US" sz="2400" dirty="0">
-              <a:solidFill>
-                <a:schemeClr val="bg1"/>
-              </a:solidFill>
-              <a:latin typeface="Arial Rounded MT Bold" panose="020F0704030504030204" pitchFamily="34" charset="0"/>
-            </a:endParaRPr>
           </a:p>
           <a:p>
             <a:pPr indent="-228600" defTabSz="914400">
+              <a:spcAft>
+                <a:spcPts val="1800"/>
+              </a:spcAft>
               <a:buFont typeface="Arial" panose="020B0604020202020204" pitchFamily="34" charset="0"/>
               <a:buChar char="•"/>
-            </a:pPr>
-            <a:endParaRPr lang="en-US" sz="2400" dirty="0">
-              <a:solidFill>
-                <a:schemeClr val="bg1"/>
-              </a:solidFill>
-              <a:latin typeface="Arial Rounded MT Bold" panose="020F0704030504030204" pitchFamily="34" charset="0"/>
-            </a:endParaRPr>
-          </a:p>
-          <a:p>
-            <a:pPr indent="-228600" defTabSz="914400">
-              <a:buFont typeface="Arial" panose="020B0604020202020204" pitchFamily="34" charset="0"/>
-              <a:buChar char="•"/>
+              <a:tabLst>
+                <a:tab pos="4114800" algn="l"/>
+              </a:tabLst>
             </a:pPr>
             <a:r>
               <a:rPr lang="en-US" sz="2400" dirty="0">
                 <a:solidFill>
-                  <a:schemeClr val="bg1"/>
+                  <a:schemeClr val="tx1"/>
                 </a:solidFill>
                 <a:latin typeface="Arial Rounded MT Bold" panose="020F0704030504030204" pitchFamily="34" charset="0"/>
               </a:rPr>
-              <a:t>With Contributions from Nico </a:t>
+              <a:t>The Finisher	Daniel Vasquez Talavera</a:t>
             </a:r>
+          </a:p>
+          <a:p>
+            <a:pPr defTabSz="914400">
+              <a:spcAft>
+                <a:spcPts val="1800"/>
+              </a:spcAft>
+            </a:pPr>
             <a:r>
-              <a:rPr lang="en-US" sz="2400" dirty="0" err="1">
+              <a:rPr lang="en-US" sz="2400" dirty="0">
                 <a:solidFill>
-                  <a:schemeClr val="bg1"/>
+                  <a:schemeClr val="tx1"/>
                 </a:solidFill>
                 <a:latin typeface="Arial Rounded MT Bold" panose="020F0704030504030204" pitchFamily="34" charset="0"/>
               </a:rPr>
-              <a:t>Lauria</a:t>
-            </a:r>
-            <a:r>
-              <a:rPr lang="en-US" sz="2400" dirty="0">
-                <a:solidFill>
-                  <a:schemeClr val="bg1"/>
-                </a:solidFill>
-                <a:latin typeface="Arial Rounded MT Bold" panose="020F0704030504030204" pitchFamily="34" charset="0"/>
-              </a:rPr>
-              <a:t> and Alex Kaufmann</a:t>
+              <a:t>      with Contributions from Nico Lauria and Alex Kaufmann</a:t>
             </a:r>
           </a:p>
         </p:txBody>
@@ -10698,7 +11281,7 @@
         </p:nvSpPr>
         <p:spPr>
           <a:xfrm>
-            <a:off x="696631" y="1493017"/>
+            <a:off x="1079216" y="1471724"/>
             <a:ext cx="9134670" cy="646331"/>
           </a:xfrm>
           <a:prstGeom prst="rect">
@@ -10724,8 +11307,31 @@
                 <a:latin typeface="Segoe UI Black" panose="020B0A02040204020203" pitchFamily="34" charset="0"/>
                 <a:ea typeface="Segoe UI Black" panose="020B0A02040204020203" pitchFamily="34" charset="0"/>
               </a:rPr>
-              <a:t>The Team</a:t>
+              <a:t>The </a:t>
             </a:r>
+            <a:r>
+              <a:rPr lang="en-US" sz="3600" dirty="0" err="1">
+                <a:solidFill>
+                  <a:schemeClr val="tx1">
+                    <a:lumMod val="85000"/>
+                    <a:lumOff val="15000"/>
+                  </a:schemeClr>
+                </a:solidFill>
+                <a:latin typeface="Segoe UI Black" panose="020B0A02040204020203" pitchFamily="34" charset="0"/>
+                <a:ea typeface="Segoe UI Black" panose="020B0A02040204020203" pitchFamily="34" charset="0"/>
+              </a:rPr>
+              <a:t>Truxers</a:t>
+            </a:r>
+            <a:endParaRPr lang="en-US" sz="3600" dirty="0">
+              <a:solidFill>
+                <a:schemeClr val="tx1">
+                  <a:lumMod val="85000"/>
+                  <a:lumOff val="15000"/>
+                </a:schemeClr>
+              </a:solidFill>
+              <a:latin typeface="Segoe UI Black" panose="020B0A02040204020203" pitchFamily="34" charset="0"/>
+              <a:ea typeface="Segoe UI Black" panose="020B0A02040204020203" pitchFamily="34" charset="0"/>
+            </a:endParaRPr>
           </a:p>
         </p:txBody>
       </p:sp>
@@ -10748,7 +11354,7 @@
     <p:bg>
       <p:bgPr>
         <a:solidFill>
-          <a:schemeClr val="bg1"/>
+          <a:schemeClr val="tx1"/>
         </a:solidFill>
         <a:effectLst/>
       </p:bgPr>
@@ -11697,9 +12303,6 @@
           <a:p>
             <a:r>
               <a:rPr lang="en-US" sz="6600" dirty="0">
-                <a:solidFill>
-                  <a:schemeClr val="bg1"/>
-                </a:solidFill>
                 <a:latin typeface="Segoe UI Black" panose="020B0A02040204020203" pitchFamily="34" charset="0"/>
                 <a:ea typeface="Segoe UI Black" panose="020B0A02040204020203" pitchFamily="34" charset="0"/>
               </a:rPr>
@@ -12354,9 +12957,6 @@
             </a:pPr>
             <a:r>
               <a:rPr lang="en-US" sz="3000" b="1" dirty="0">
-                <a:solidFill>
-                  <a:schemeClr val="bg1"/>
-                </a:solidFill>
                 <a:latin typeface="Arial Nova Light" panose="020B0304020202020204" pitchFamily="34" charset="0"/>
               </a:rPr>
               <a:t>The Original Goals Included:</a:t>
@@ -12365,92 +12965,65 @@
           <a:p>
             <a:r>
               <a:rPr lang="en-US" dirty="0">
-                <a:solidFill>
-                  <a:schemeClr val="bg1"/>
-                </a:solidFill>
                 <a:latin typeface="Arial Nova Light" panose="020B0304020202020204" pitchFamily="34" charset="0"/>
               </a:rPr>
-              <a:t>A fabulous landing page with popups and a give us your email come on</a:t>
+              <a:t>A fabulous Home Page with popups and a “Give Us Your Email” come on</a:t>
             </a:r>
           </a:p>
           <a:p>
             <a:r>
               <a:rPr lang="en-US" dirty="0">
-                <a:solidFill>
-                  <a:schemeClr val="bg1"/>
-                </a:solidFill>
                 <a:latin typeface="Arial Nova Light" panose="020B0304020202020204" pitchFamily="34" charset="0"/>
               </a:rPr>
-              <a:t>Great looking sign up, login, member, and ordering pages</a:t>
+              <a:t>Great looking sign up, login, member, and ordering pages; then FAQs!</a:t>
             </a:r>
           </a:p>
           <a:p>
             <a:r>
               <a:rPr lang="en-US" dirty="0">
-                <a:solidFill>
-                  <a:schemeClr val="bg1"/>
-                </a:solidFill>
                 <a:latin typeface="Arial Nova Light" panose="020B0304020202020204" pitchFamily="34" charset="0"/>
               </a:rPr>
               <a:t>Having a great </a:t>
             </a:r>
             <a:r>
               <a:rPr lang="en-US" dirty="0" err="1">
-                <a:solidFill>
-                  <a:schemeClr val="bg1"/>
-                </a:solidFill>
                 <a:latin typeface="Arial Nova Light" panose="020B0304020202020204" pitchFamily="34" charset="0"/>
               </a:rPr>
               <a:t>mySQL</a:t>
             </a:r>
             <a:r>
               <a:rPr lang="en-US" dirty="0">
-                <a:solidFill>
-                  <a:schemeClr val="bg1"/>
-                </a:solidFill>
                 <a:latin typeface="Arial Nova Light" panose="020B0304020202020204" pitchFamily="34" charset="0"/>
               </a:rPr>
-              <a:t> table full of driver information (including the vehicle type) and whether they are currently working</a:t>
+              <a:t> table full of driver information (including their vehicle type). Another table with the ids of drivers who are on the clock now</a:t>
             </a:r>
           </a:p>
           <a:p>
             <a:r>
               <a:rPr lang="en-US" dirty="0">
-                <a:solidFill>
-                  <a:schemeClr val="bg1"/>
-                </a:solidFill>
                 <a:latin typeface="Arial Nova Light" panose="020B0304020202020204" pitchFamily="34" charset="0"/>
               </a:rPr>
               <a:t>Using a Google or </a:t>
             </a:r>
             <a:r>
               <a:rPr lang="en-US" dirty="0" err="1">
-                <a:solidFill>
-                  <a:schemeClr val="bg1"/>
-                </a:solidFill>
                 <a:latin typeface="Arial Nova Light" panose="020B0304020202020204" pitchFamily="34" charset="0"/>
               </a:rPr>
               <a:t>MapBox</a:t>
             </a:r>
             <a:r>
               <a:rPr lang="en-US" dirty="0">
-                <a:solidFill>
-                  <a:schemeClr val="bg1"/>
-                </a:solidFill>
                 <a:latin typeface="Arial Nova Light" panose="020B0304020202020204" pitchFamily="34" charset="0"/>
               </a:rPr>
-              <a:t> api to determine location of pickup, location of delivery, driving distance</a:t>
+              <a:t> api to determine location of pickup, location of delivery, driving distance. Oh, and give the driver a map, too</a:t>
             </a:r>
           </a:p>
           <a:p>
             <a:r>
               <a:rPr lang="en-US" dirty="0">
-                <a:solidFill>
-                  <a:schemeClr val="bg1"/>
-                </a:solidFill>
                 <a:latin typeface="Arial Nova Light" panose="020B0304020202020204" pitchFamily="34" charset="0"/>
               </a:rPr>
-              <a:t>Calculating (huh?) the weight and size of the shipping items to determine what vehicle would be needed for delivery</a:t>
+              <a:t>Calculating (huh?) the weight and size of the shipping items to determine what vehicle would be needed for delivery (a bicycle courier option was available)</a:t>
             </a:r>
           </a:p>
           <a:p>
@@ -12576,15 +13149,457 @@
               <a:rPr lang="en-US" dirty="0">
                 <a:latin typeface="Arial Nova Light" panose="020B0304020202020204" pitchFamily="34" charset="0"/>
               </a:rPr>
-              <a:t>As always, communication is the best and worst thing about group projects. Not all meetings were met, not all </a:t>
+              <a:t>As always, communication is the best and worst thing about group projects. Not all meetings were met, not all promises kept. We are all guilty           …except Roman and Daniel</a:t>
             </a:r>
+          </a:p>
+        </p:txBody>
+      </p:sp>
+      <p:pic>
+        <p:nvPicPr>
+          <p:cNvPr id="4" name="Picture 3">
+            <a:extLst>
+              <a:ext uri="{FF2B5EF4-FFF2-40B4-BE49-F238E27FC236}">
+                <a16:creationId xmlns:a16="http://schemas.microsoft.com/office/drawing/2014/main" id="{EBB2D33C-08B1-4526-9BB8-2FDD912C5AEA}"/>
+              </a:ext>
+            </a:extLst>
+          </p:cNvPr>
+          <p:cNvPicPr>
+            <a:picLocks noChangeAspect="1"/>
+          </p:cNvPicPr>
+          <p:nvPr/>
+        </p:nvPicPr>
+        <p:blipFill>
+          <a:blip r:embed="rId2"/>
+          <a:stretch>
+            <a:fillRect/>
+          </a:stretch>
+        </p:blipFill>
+        <p:spPr>
+          <a:xfrm>
+            <a:off x="2218627" y="5500222"/>
+            <a:ext cx="942072" cy="919818"/>
+          </a:xfrm>
+          <a:prstGeom prst="rect">
+            <a:avLst/>
+          </a:prstGeom>
+        </p:spPr>
+      </p:pic>
+    </p:spTree>
+    <p:extLst>
+      <p:ext uri="{BB962C8B-B14F-4D97-AF65-F5344CB8AC3E}">
+        <p14:creationId xmlns:p14="http://schemas.microsoft.com/office/powerpoint/2010/main" val="1304392359"/>
+      </p:ext>
+    </p:extLst>
+  </p:cSld>
+  <p:clrMapOvr>
+    <a:masterClrMapping/>
+  </p:clrMapOvr>
+</p:sld>
+</file>
+
+<file path=ppt/slides/slide7.xml><?xml version="1.0" encoding="utf-8"?>
+<p:sld xmlns:a="http://schemas.openxmlformats.org/drawingml/2006/main" xmlns:r="http://schemas.openxmlformats.org/officeDocument/2006/relationships" xmlns:p="http://schemas.openxmlformats.org/presentationml/2006/main">
+  <p:cSld>
+    <p:spTree>
+      <p:nvGrpSpPr>
+        <p:cNvPr id="1" name=""/>
+        <p:cNvGrpSpPr/>
+        <p:nvPr/>
+      </p:nvGrpSpPr>
+      <p:grpSpPr>
+        <a:xfrm>
+          <a:off x="0" y="0"/>
+          <a:ext cx="0" cy="0"/>
+          <a:chOff x="0" y="0"/>
+          <a:chExt cx="0" cy="0"/>
+        </a:xfrm>
+      </p:grpSpPr>
+      <p:sp>
+        <p:nvSpPr>
+          <p:cNvPr id="7" name="Rectangle 6">
+            <a:extLst>
+              <a:ext uri="{FF2B5EF4-FFF2-40B4-BE49-F238E27FC236}">
+                <a16:creationId xmlns:a16="http://schemas.microsoft.com/office/drawing/2014/main" id="{3585CC44-E73E-460C-8CB6-88F7A4F37378}"/>
+              </a:ext>
+            </a:extLst>
+          </p:cNvPr>
+          <p:cNvSpPr/>
+          <p:nvPr/>
+        </p:nvSpPr>
+        <p:spPr>
+          <a:xfrm>
+            <a:off x="0" y="0"/>
+            <a:ext cx="12192000" cy="6858000"/>
+          </a:xfrm>
+          <a:prstGeom prst="rect">
+            <a:avLst/>
+          </a:prstGeom>
+          <a:gradFill>
+            <a:gsLst>
+              <a:gs pos="41000">
+                <a:srgbClr val="366BBA"/>
+              </a:gs>
+              <a:gs pos="70000">
+                <a:srgbClr val="423784"/>
+              </a:gs>
+              <a:gs pos="0">
+                <a:srgbClr val="176317"/>
+              </a:gs>
+              <a:gs pos="100000">
+                <a:schemeClr val="tx1"/>
+              </a:gs>
+            </a:gsLst>
+            <a:lin ang="5400000" scaled="1"/>
+          </a:gradFill>
+        </p:spPr>
+        <p:style>
+          <a:lnRef idx="2">
+            <a:schemeClr val="accent1">
+              <a:shade val="50000"/>
+            </a:schemeClr>
+          </a:lnRef>
+          <a:fillRef idx="1">
+            <a:schemeClr val="accent1"/>
+          </a:fillRef>
+          <a:effectRef idx="0">
+            <a:schemeClr val="accent1"/>
+          </a:effectRef>
+          <a:fontRef idx="minor">
+            <a:schemeClr val="lt1"/>
+          </a:fontRef>
+        </p:style>
+        <p:txBody>
+          <a:bodyPr rtlCol="0" anchor="ctr"/>
+          <a:lstStyle/>
+          <a:p>
+            <a:pPr algn="ctr"/>
+            <a:endParaRPr lang="en-US" dirty="0"/>
+          </a:p>
+        </p:txBody>
+      </p:sp>
+      <p:sp>
+        <p:nvSpPr>
+          <p:cNvPr id="8" name="TextBox 7">
+            <a:extLst>
+              <a:ext uri="{FF2B5EF4-FFF2-40B4-BE49-F238E27FC236}">
+                <a16:creationId xmlns:a16="http://schemas.microsoft.com/office/drawing/2014/main" id="{79E79F15-E538-464A-8C69-A5F8E654D0E8}"/>
+              </a:ext>
+            </a:extLst>
+          </p:cNvPr>
+          <p:cNvSpPr txBox="1"/>
+          <p:nvPr/>
+        </p:nvSpPr>
+        <p:spPr>
+          <a:xfrm>
+            <a:off x="5640355" y="2789853"/>
+            <a:ext cx="914400" cy="914400"/>
+          </a:xfrm>
+          <a:prstGeom prst="rect">
+            <a:avLst/>
+          </a:prstGeom>
+          <a:noFill/>
+        </p:spPr>
+        <p:txBody>
+          <a:bodyPr wrap="square" rtlCol="0">
+            <a:spAutoFit/>
+          </a:bodyPr>
+          <a:lstStyle/>
+          <a:p>
+            <a:endParaRPr lang="en-US" dirty="0"/>
+          </a:p>
+        </p:txBody>
+      </p:sp>
+      <p:sp>
+        <p:nvSpPr>
+          <p:cNvPr id="9" name="TextBox 8">
+            <a:extLst>
+              <a:ext uri="{FF2B5EF4-FFF2-40B4-BE49-F238E27FC236}">
+                <a16:creationId xmlns:a16="http://schemas.microsoft.com/office/drawing/2014/main" id="{0D7B3B98-D197-4B6B-A40C-7EDE7946F040}"/>
+              </a:ext>
+            </a:extLst>
+          </p:cNvPr>
+          <p:cNvSpPr txBox="1"/>
+          <p:nvPr/>
+        </p:nvSpPr>
+        <p:spPr>
+          <a:xfrm>
+            <a:off x="4152122" y="240765"/>
+            <a:ext cx="3887755" cy="769441"/>
+          </a:xfrm>
+          <a:prstGeom prst="rect">
+            <a:avLst/>
+          </a:prstGeom>
+          <a:noFill/>
+        </p:spPr>
+        <p:txBody>
+          <a:bodyPr wrap="square" rtlCol="0">
+            <a:spAutoFit/>
+          </a:bodyPr>
+          <a:lstStyle/>
+          <a:p>
+            <a:r>
+              <a:rPr lang="en-US" sz="4400" dirty="0">
+                <a:effectLst>
+                  <a:outerShdw dist="25400" dir="2400000" algn="ctr" rotWithShape="0">
+                    <a:schemeClr val="bg1"/>
+                  </a:outerShdw>
+                </a:effectLst>
+                <a:latin typeface="Arial Rounded MT Bold" panose="020F0704030504030204" pitchFamily="34" charset="0"/>
+              </a:rPr>
+              <a:t>The Wish List</a:t>
+            </a:r>
+            <a:r>
+              <a:rPr lang="en-US" sz="4400" dirty="0">
+                <a:latin typeface="Arial Rounded MT Bold" panose="020F0704030504030204" pitchFamily="34" charset="0"/>
+              </a:rPr>
+              <a:t> </a:t>
+            </a:r>
+          </a:p>
+        </p:txBody>
+      </p:sp>
+      <p:sp>
+        <p:nvSpPr>
+          <p:cNvPr id="10" name="TextBox 9">
+            <a:extLst>
+              <a:ext uri="{FF2B5EF4-FFF2-40B4-BE49-F238E27FC236}">
+                <a16:creationId xmlns:a16="http://schemas.microsoft.com/office/drawing/2014/main" id="{E8CDF12F-59EF-4EDC-8E59-0CAC72838D9A}"/>
+              </a:ext>
+            </a:extLst>
+          </p:cNvPr>
+          <p:cNvSpPr txBox="1"/>
+          <p:nvPr/>
+        </p:nvSpPr>
+        <p:spPr>
+          <a:xfrm flipH="1">
+            <a:off x="1112986" y="1250971"/>
+            <a:ext cx="9966028" cy="3970318"/>
+          </a:xfrm>
+          <a:prstGeom prst="rect">
+            <a:avLst/>
+          </a:prstGeom>
+          <a:noFill/>
+        </p:spPr>
+        <p:txBody>
+          <a:bodyPr wrap="square" rtlCol="0">
+            <a:spAutoFit/>
+          </a:bodyPr>
+          <a:lstStyle/>
+          <a:p>
+            <a:endParaRPr lang="en-US" dirty="0">
+              <a:solidFill>
+                <a:srgbClr val="FFFFCC"/>
+              </a:solidFill>
+              <a:latin typeface="Arial Rounded MT Bold" panose="020F0704030504030204" pitchFamily="34" charset="0"/>
+            </a:endParaRPr>
+          </a:p>
+          <a:p>
+            <a:pPr marL="285750" indent="-285750">
+              <a:buFont typeface="Arial" panose="020B0604020202020204" pitchFamily="34" charset="0"/>
+              <a:buChar char="•"/>
+            </a:pPr>
+            <a:r>
+              <a:rPr lang="en-US" dirty="0">
+                <a:solidFill>
+                  <a:srgbClr val="FFFFCC"/>
+                </a:solidFill>
+                <a:latin typeface="Arial Rounded MT Bold" panose="020F0704030504030204" pitchFamily="34" charset="0"/>
+              </a:rPr>
+              <a:t>Hook this up to a Map </a:t>
+            </a:r>
+            <a:r>
+              <a:rPr lang="en-US" dirty="0" err="1">
+                <a:solidFill>
+                  <a:srgbClr val="FFFFCC"/>
+                </a:solidFill>
+                <a:latin typeface="Arial Rounded MT Bold" panose="020F0704030504030204" pitchFamily="34" charset="0"/>
+              </a:rPr>
+              <a:t>api</a:t>
+            </a:r>
+            <a:r>
+              <a:rPr lang="en-US" dirty="0">
+                <a:solidFill>
+                  <a:srgbClr val="FFFFCC"/>
+                </a:solidFill>
+                <a:latin typeface="Arial Rounded MT Bold" panose="020F0704030504030204" pitchFamily="34" charset="0"/>
+              </a:rPr>
+              <a:t> and a Gas </a:t>
+            </a:r>
+            <a:r>
+              <a:rPr lang="en-US" dirty="0" err="1">
+                <a:solidFill>
+                  <a:srgbClr val="FFFFCC"/>
+                </a:solidFill>
+                <a:latin typeface="Arial Rounded MT Bold" panose="020F0704030504030204" pitchFamily="34" charset="0"/>
+              </a:rPr>
+              <a:t>api</a:t>
+            </a:r>
+            <a:r>
+              <a:rPr lang="en-US" dirty="0">
+                <a:solidFill>
+                  <a:srgbClr val="FFFFCC"/>
+                </a:solidFill>
+                <a:latin typeface="Arial Rounded MT Bold" panose="020F0704030504030204" pitchFamily="34" charset="0"/>
+              </a:rPr>
+              <a:t> to be accurately calculate costs</a:t>
+            </a:r>
+          </a:p>
+          <a:p>
+            <a:pPr marL="285750" indent="-285750">
+              <a:buFont typeface="Arial" panose="020B0604020202020204" pitchFamily="34" charset="0"/>
+              <a:buChar char="•"/>
+            </a:pPr>
+            <a:endParaRPr lang="en-US" dirty="0">
+              <a:solidFill>
+                <a:srgbClr val="FFFFCC"/>
+              </a:solidFill>
+              <a:latin typeface="Arial Rounded MT Bold" panose="020F0704030504030204" pitchFamily="34" charset="0"/>
+            </a:endParaRPr>
+          </a:p>
+          <a:p>
+            <a:pPr marL="285750" indent="-285750">
+              <a:buFont typeface="Arial" panose="020B0604020202020204" pitchFamily="34" charset="0"/>
+              <a:buChar char="•"/>
+            </a:pPr>
+            <a:r>
+              <a:rPr lang="en-US" dirty="0">
+                <a:solidFill>
+                  <a:srgbClr val="FFFFCC"/>
+                </a:solidFill>
+                <a:latin typeface="Arial Rounded MT Bold" panose="020F0704030504030204" pitchFamily="34" charset="0"/>
+              </a:rPr>
+              <a:t>Have a driver’s login page</a:t>
+            </a:r>
+          </a:p>
+          <a:p>
+            <a:pPr marL="285750" indent="-285750">
+              <a:buFont typeface="Arial" panose="020B0604020202020204" pitchFamily="34" charset="0"/>
+              <a:buChar char="•"/>
+            </a:pPr>
+            <a:endParaRPr lang="en-US" dirty="0">
+              <a:solidFill>
+                <a:srgbClr val="FFFFCC"/>
+              </a:solidFill>
+              <a:latin typeface="Arial Rounded MT Bold" panose="020F0704030504030204" pitchFamily="34" charset="0"/>
+            </a:endParaRPr>
+          </a:p>
+          <a:p>
+            <a:pPr marL="285750" indent="-285750">
+              <a:buFont typeface="Arial" panose="020B0604020202020204" pitchFamily="34" charset="0"/>
+              <a:buChar char="•"/>
+            </a:pPr>
+            <a:r>
+              <a:rPr lang="en-US" dirty="0">
+                <a:solidFill>
+                  <a:srgbClr val="FFFFCC"/>
+                </a:solidFill>
+                <a:latin typeface="Arial Rounded MT Bold" panose="020F0704030504030204" pitchFamily="34" charset="0"/>
+              </a:rPr>
+              <a:t>Have a payment page (we </a:t>
+            </a:r>
+            <a:r>
+              <a:rPr lang="en-US" dirty="0" err="1">
+                <a:solidFill>
+                  <a:srgbClr val="FFFFCC"/>
+                </a:solidFill>
+                <a:latin typeface="Arial Rounded MT Bold" panose="020F0704030504030204" pitchFamily="34" charset="0"/>
+              </a:rPr>
+              <a:t>gotta</a:t>
+            </a:r>
+            <a:r>
+              <a:rPr lang="en-US" dirty="0">
+                <a:solidFill>
+                  <a:srgbClr val="FFFFCC"/>
+                </a:solidFill>
+                <a:latin typeface="Arial Rounded MT Bold" panose="020F0704030504030204" pitchFamily="34" charset="0"/>
+              </a:rPr>
+              <a:t> eat)</a:t>
+            </a:r>
+          </a:p>
+          <a:p>
+            <a:pPr marL="285750" indent="-285750">
+              <a:buFont typeface="Arial" panose="020B0604020202020204" pitchFamily="34" charset="0"/>
+              <a:buChar char="•"/>
+            </a:pPr>
+            <a:endParaRPr lang="en-US" dirty="0">
+              <a:solidFill>
+                <a:srgbClr val="FFFFCC"/>
+              </a:solidFill>
+              <a:latin typeface="Arial Rounded MT Bold" panose="020F0704030504030204" pitchFamily="34" charset="0"/>
+            </a:endParaRPr>
+          </a:p>
+          <a:p>
+            <a:pPr marL="285750" indent="-285750">
+              <a:buFont typeface="Arial" panose="020B0604020202020204" pitchFamily="34" charset="0"/>
+              <a:buChar char="•"/>
+            </a:pPr>
+            <a:r>
+              <a:rPr lang="en-US" dirty="0">
+                <a:solidFill>
+                  <a:srgbClr val="FFFFCC"/>
+                </a:solidFill>
+                <a:latin typeface="Arial Rounded MT Bold" panose="020F0704030504030204" pitchFamily="34" charset="0"/>
+              </a:rPr>
+              <a:t>Give the Landing Page more detail such as a menu to About Us or FAQs</a:t>
+            </a:r>
+          </a:p>
+          <a:p>
+            <a:pPr marL="285750" indent="-285750">
+              <a:buFont typeface="Arial" panose="020B0604020202020204" pitchFamily="34" charset="0"/>
+              <a:buChar char="•"/>
+            </a:pPr>
+            <a:endParaRPr lang="en-US" dirty="0">
+              <a:solidFill>
+                <a:srgbClr val="FFFFCC"/>
+              </a:solidFill>
+              <a:latin typeface="Arial Rounded MT Bold" panose="020F0704030504030204" pitchFamily="34" charset="0"/>
+            </a:endParaRPr>
+          </a:p>
+          <a:p>
+            <a:endParaRPr lang="en-US" dirty="0">
+              <a:solidFill>
+                <a:srgbClr val="FFFFCC"/>
+              </a:solidFill>
+              <a:latin typeface="Arial Rounded MT Bold" panose="020F0704030504030204" pitchFamily="34" charset="0"/>
+            </a:endParaRPr>
+          </a:p>
+          <a:p>
+            <a:endParaRPr lang="en-US" dirty="0">
+              <a:solidFill>
+                <a:srgbClr val="FFFFCC"/>
+              </a:solidFill>
+              <a:latin typeface="Arial Rounded MT Bold" panose="020F0704030504030204" pitchFamily="34" charset="0"/>
+            </a:endParaRPr>
+          </a:p>
+          <a:p>
+            <a:endParaRPr lang="en-US" dirty="0">
+              <a:solidFill>
+                <a:srgbClr val="FFFFCC"/>
+              </a:solidFill>
+              <a:latin typeface="Arial Rounded MT Bold" panose="020F0704030504030204" pitchFamily="34" charset="0"/>
+            </a:endParaRPr>
+          </a:p>
+          <a:p>
+            <a:endParaRPr lang="en-US" dirty="0">
+              <a:solidFill>
+                <a:srgbClr val="FFFFCC"/>
+              </a:solidFill>
+              <a:latin typeface="Arial Rounded MT Bold" panose="020F0704030504030204" pitchFamily="34" charset="0"/>
+            </a:endParaRPr>
+          </a:p>
+          <a:p>
+            <a:endParaRPr lang="en-US" dirty="0">
+              <a:solidFill>
+                <a:srgbClr val="FFFFCC"/>
+              </a:solidFill>
+              <a:latin typeface="Arial Rounded MT Bold" panose="020F0704030504030204" pitchFamily="34" charset="0"/>
+            </a:endParaRPr>
           </a:p>
         </p:txBody>
       </p:sp>
     </p:spTree>
     <p:extLst>
       <p:ext uri="{BB962C8B-B14F-4D97-AF65-F5344CB8AC3E}">
-        <p14:creationId xmlns:p14="http://schemas.microsoft.com/office/powerpoint/2010/main" val="1304392359"/>
+        <p14:creationId xmlns:p14="http://schemas.microsoft.com/office/powerpoint/2010/main" val="813682046"/>
       </p:ext>
     </p:extLst>
   </p:cSld>
@@ -12793,4 +13808,299 @@
     </a:ext>
   </a:extLst>
 </a:theme>
+</file>
+
+<file path=ppt/theme/theme2.xml><?xml version="1.0" encoding="utf-8"?>
+<a:theme xmlns:a="http://schemas.openxmlformats.org/drawingml/2006/main" name="Office Theme">
+  <a:themeElements>
+    <a:clrScheme name="Office">
+      <a:dk1>
+        <a:sysClr val="windowText" lastClr="000000"/>
+      </a:dk1>
+      <a:lt1>
+        <a:sysClr val="window" lastClr="FFFFFF"/>
+      </a:lt1>
+      <a:dk2>
+        <a:srgbClr val="44546A"/>
+      </a:dk2>
+      <a:lt2>
+        <a:srgbClr val="E7E6E6"/>
+      </a:lt2>
+      <a:accent1>
+        <a:srgbClr val="4472C4"/>
+      </a:accent1>
+      <a:accent2>
+        <a:srgbClr val="ED7D31"/>
+      </a:accent2>
+      <a:accent3>
+        <a:srgbClr val="A5A5A5"/>
+      </a:accent3>
+      <a:accent4>
+        <a:srgbClr val="FFC000"/>
+      </a:accent4>
+      <a:accent5>
+        <a:srgbClr val="5B9BD5"/>
+      </a:accent5>
+      <a:accent6>
+        <a:srgbClr val="70AD47"/>
+      </a:accent6>
+      <a:hlink>
+        <a:srgbClr val="0563C1"/>
+      </a:hlink>
+      <a:folHlink>
+        <a:srgbClr val="954F72"/>
+      </a:folHlink>
+    </a:clrScheme>
+    <a:fontScheme name="Office">
+      <a:majorFont>
+        <a:latin typeface="Calibri Light" panose="020F0302020204030204"/>
+        <a:ea typeface=""/>
+        <a:cs typeface=""/>
+        <a:font script="Jpan" typeface="游ゴシック Light"/>
+        <a:font script="Hang" typeface="맑은 고딕"/>
+        <a:font script="Hans" typeface="等线 Light"/>
+        <a:font script="Hant" typeface="新細明體"/>
+        <a:font script="Arab" typeface="Times New Roman"/>
+        <a:font script="Hebr" typeface="Times New Roman"/>
+        <a:font script="Thai" typeface="Angsana New"/>
+        <a:font script="Ethi" typeface="Nyala"/>
+        <a:font script="Beng" typeface="Vrinda"/>
+        <a:font script="Gujr" typeface="Shruti"/>
+        <a:font script="Khmr" typeface="MoolBoran"/>
+        <a:font script="Knda" typeface="Tunga"/>
+        <a:font script="Guru" typeface="Raavi"/>
+        <a:font script="Cans" typeface="Euphemia"/>
+        <a:font script="Cher" typeface="Plantagenet Cherokee"/>
+        <a:font script="Yiii" typeface="Microsoft Yi Baiti"/>
+        <a:font script="Tibt" typeface="Microsoft Himalaya"/>
+        <a:font script="Thaa" typeface="MV Boli"/>
+        <a:font script="Deva" typeface="Mangal"/>
+        <a:font script="Telu" typeface="Gautami"/>
+        <a:font script="Taml" typeface="Latha"/>
+        <a:font script="Syrc" typeface="Estrangelo Edessa"/>
+        <a:font script="Orya" typeface="Kalinga"/>
+        <a:font script="Mlym" typeface="Kartika"/>
+        <a:font script="Laoo" typeface="DokChampa"/>
+        <a:font script="Sinh" typeface="Iskoola Pota"/>
+        <a:font script="Mong" typeface="Mongolian Baiti"/>
+        <a:font script="Viet" typeface="Times New Roman"/>
+        <a:font script="Uigh" typeface="Microsoft Uighur"/>
+        <a:font script="Geor" typeface="Sylfaen"/>
+        <a:font script="Armn" typeface="Arial"/>
+        <a:font script="Bugi" typeface="Leelawadee UI"/>
+        <a:font script="Bopo" typeface="Microsoft JhengHei"/>
+        <a:font script="Java" typeface="Javanese Text"/>
+        <a:font script="Lisu" typeface="Segoe UI"/>
+        <a:font script="Mymr" typeface="Myanmar Text"/>
+        <a:font script="Nkoo" typeface="Ebrima"/>
+        <a:font script="Olck" typeface="Nirmala UI"/>
+        <a:font script="Osma" typeface="Ebrima"/>
+        <a:font script="Phag" typeface="Phagspa"/>
+        <a:font script="Syrn" typeface="Estrangelo Edessa"/>
+        <a:font script="Syrj" typeface="Estrangelo Edessa"/>
+        <a:font script="Syre" typeface="Estrangelo Edessa"/>
+        <a:font script="Sora" typeface="Nirmala UI"/>
+        <a:font script="Tale" typeface="Microsoft Tai Le"/>
+        <a:font script="Talu" typeface="Microsoft New Tai Lue"/>
+        <a:font script="Tfng" typeface="Ebrima"/>
+      </a:majorFont>
+      <a:minorFont>
+        <a:latin typeface="Calibri" panose="020F0502020204030204"/>
+        <a:ea typeface=""/>
+        <a:cs typeface=""/>
+        <a:font script="Jpan" typeface="游ゴシック"/>
+        <a:font script="Hang" typeface="맑은 고딕"/>
+        <a:font script="Hans" typeface="等线"/>
+        <a:font script="Hant" typeface="新細明體"/>
+        <a:font script="Arab" typeface="Arial"/>
+        <a:font script="Hebr" typeface="Arial"/>
+        <a:font script="Thai" typeface="Cordia New"/>
+        <a:font script="Ethi" typeface="Nyala"/>
+        <a:font script="Beng" typeface="Vrinda"/>
+        <a:font script="Gujr" typeface="Shruti"/>
+        <a:font script="Khmr" typeface="DaunPenh"/>
+        <a:font script="Knda" typeface="Tunga"/>
+        <a:font script="Guru" typeface="Raavi"/>
+        <a:font script="Cans" typeface="Euphemia"/>
+        <a:font script="Cher" typeface="Plantagenet Cherokee"/>
+        <a:font script="Yiii" typeface="Microsoft Yi Baiti"/>
+        <a:font script="Tibt" typeface="Microsoft Himalaya"/>
+        <a:font script="Thaa" typeface="MV Boli"/>
+        <a:font script="Deva" typeface="Mangal"/>
+        <a:font script="Telu" typeface="Gautami"/>
+        <a:font script="Taml" typeface="Latha"/>
+        <a:font script="Syrc" typeface="Estrangelo Edessa"/>
+        <a:font script="Orya" typeface="Kalinga"/>
+        <a:font script="Mlym" typeface="Kartika"/>
+        <a:font script="Laoo" typeface="DokChampa"/>
+        <a:font script="Sinh" typeface="Iskoola Pota"/>
+        <a:font script="Mong" typeface="Mongolian Baiti"/>
+        <a:font script="Viet" typeface="Arial"/>
+        <a:font script="Uigh" typeface="Microsoft Uighur"/>
+        <a:font script="Geor" typeface="Sylfaen"/>
+        <a:font script="Armn" typeface="Arial"/>
+        <a:font script="Bugi" typeface="Leelawadee UI"/>
+        <a:font script="Bopo" typeface="Microsoft JhengHei"/>
+        <a:font script="Java" typeface="Javanese Text"/>
+        <a:font script="Lisu" typeface="Segoe UI"/>
+        <a:font script="Mymr" typeface="Myanmar Text"/>
+        <a:font script="Nkoo" typeface="Ebrima"/>
+        <a:font script="Olck" typeface="Nirmala UI"/>
+        <a:font script="Osma" typeface="Ebrima"/>
+        <a:font script="Phag" typeface="Phagspa"/>
+        <a:font script="Syrn" typeface="Estrangelo Edessa"/>
+        <a:font script="Syrj" typeface="Estrangelo Edessa"/>
+        <a:font script="Syre" typeface="Estrangelo Edessa"/>
+        <a:font script="Sora" typeface="Nirmala UI"/>
+        <a:font script="Tale" typeface="Microsoft Tai Le"/>
+        <a:font script="Talu" typeface="Microsoft New Tai Lue"/>
+        <a:font script="Tfng" typeface="Ebrima"/>
+      </a:minorFont>
+    </a:fontScheme>
+    <a:fmtScheme name="Office">
+      <a:fillStyleLst>
+        <a:solidFill>
+          <a:schemeClr val="phClr"/>
+        </a:solidFill>
+        <a:gradFill rotWithShape="1">
+          <a:gsLst>
+            <a:gs pos="0">
+              <a:schemeClr val="phClr">
+                <a:lumMod val="110000"/>
+                <a:satMod val="105000"/>
+                <a:tint val="67000"/>
+              </a:schemeClr>
+            </a:gs>
+            <a:gs pos="50000">
+              <a:schemeClr val="phClr">
+                <a:lumMod val="105000"/>
+                <a:satMod val="103000"/>
+                <a:tint val="73000"/>
+              </a:schemeClr>
+            </a:gs>
+            <a:gs pos="100000">
+              <a:schemeClr val="phClr">
+                <a:lumMod val="105000"/>
+                <a:satMod val="109000"/>
+                <a:tint val="81000"/>
+              </a:schemeClr>
+            </a:gs>
+          </a:gsLst>
+          <a:lin ang="5400000" scaled="0"/>
+        </a:gradFill>
+        <a:gradFill rotWithShape="1">
+          <a:gsLst>
+            <a:gs pos="0">
+              <a:schemeClr val="phClr">
+                <a:satMod val="103000"/>
+                <a:lumMod val="102000"/>
+                <a:tint val="94000"/>
+              </a:schemeClr>
+            </a:gs>
+            <a:gs pos="50000">
+              <a:schemeClr val="phClr">
+                <a:satMod val="110000"/>
+                <a:lumMod val="100000"/>
+                <a:shade val="100000"/>
+              </a:schemeClr>
+            </a:gs>
+            <a:gs pos="100000">
+              <a:schemeClr val="phClr">
+                <a:lumMod val="99000"/>
+                <a:satMod val="120000"/>
+                <a:shade val="78000"/>
+              </a:schemeClr>
+            </a:gs>
+          </a:gsLst>
+          <a:lin ang="5400000" scaled="0"/>
+        </a:gradFill>
+      </a:fillStyleLst>
+      <a:lnStyleLst>
+        <a:ln w="6350" cap="flat" cmpd="sng" algn="ctr">
+          <a:solidFill>
+            <a:schemeClr val="phClr"/>
+          </a:solidFill>
+          <a:prstDash val="solid"/>
+          <a:miter lim="800000"/>
+        </a:ln>
+        <a:ln w="12700" cap="flat" cmpd="sng" algn="ctr">
+          <a:solidFill>
+            <a:schemeClr val="phClr"/>
+          </a:solidFill>
+          <a:prstDash val="solid"/>
+          <a:miter lim="800000"/>
+        </a:ln>
+        <a:ln w="19050" cap="flat" cmpd="sng" algn="ctr">
+          <a:solidFill>
+            <a:schemeClr val="phClr"/>
+          </a:solidFill>
+          <a:prstDash val="solid"/>
+          <a:miter lim="800000"/>
+        </a:ln>
+      </a:lnStyleLst>
+      <a:effectStyleLst>
+        <a:effectStyle>
+          <a:effectLst/>
+        </a:effectStyle>
+        <a:effectStyle>
+          <a:effectLst/>
+        </a:effectStyle>
+        <a:effectStyle>
+          <a:effectLst>
+            <a:outerShdw blurRad="57150" dist="19050" dir="5400000" algn="ctr" rotWithShape="0">
+              <a:srgbClr val="000000">
+                <a:alpha val="63000"/>
+              </a:srgbClr>
+            </a:outerShdw>
+          </a:effectLst>
+        </a:effectStyle>
+      </a:effectStyleLst>
+      <a:bgFillStyleLst>
+        <a:solidFill>
+          <a:schemeClr val="phClr"/>
+        </a:solidFill>
+        <a:solidFill>
+          <a:schemeClr val="phClr">
+            <a:tint val="95000"/>
+            <a:satMod val="170000"/>
+          </a:schemeClr>
+        </a:solidFill>
+        <a:gradFill rotWithShape="1">
+          <a:gsLst>
+            <a:gs pos="0">
+              <a:schemeClr val="phClr">
+                <a:tint val="93000"/>
+                <a:satMod val="150000"/>
+                <a:shade val="98000"/>
+                <a:lumMod val="102000"/>
+              </a:schemeClr>
+            </a:gs>
+            <a:gs pos="50000">
+              <a:schemeClr val="phClr">
+                <a:tint val="98000"/>
+                <a:satMod val="130000"/>
+                <a:shade val="90000"/>
+                <a:lumMod val="103000"/>
+              </a:schemeClr>
+            </a:gs>
+            <a:gs pos="100000">
+              <a:schemeClr val="phClr">
+                <a:shade val="63000"/>
+                <a:satMod val="120000"/>
+              </a:schemeClr>
+            </a:gs>
+          </a:gsLst>
+          <a:lin ang="5400000" scaled="0"/>
+        </a:gradFill>
+      </a:bgFillStyleLst>
+    </a:fmtScheme>
+  </a:themeElements>
+  <a:objectDefaults/>
+  <a:extraClrSchemeLst/>
+  <a:extLst>
+    <a:ext uri="{05A4C25C-085E-4340-85A3-A5531E510DB2}">
+      <thm15:themeFamily xmlns:thm15="http://schemas.microsoft.com/office/thememl/2012/main" name="Office Theme" id="{62F939B6-93AF-4DB8-9C6B-D6C7DFDC589F}" vid="{4A3C46E8-61CC-4603-A589-7422A47A8E4A}"/>
+    </a:ext>
+  </a:extLst>
+</a:theme>
 </file>